--- a/talks/src/class01.pptx
+++ b/talks/src/class01.pptx
@@ -239,7 +239,7 @@
           <a:p>
             <a:fld id="{56C6788E-680A-49E5-BB93-D456A9D23A29}" type="datetimeFigureOut">
               <a:rPr lang="ru-RU" smtClean="0"/>
-              <a:t>16.09.2020</a:t>
+              <a:t>19.09.2022</a:t>
             </a:fld>
             <a:endParaRPr lang="ru-RU"/>
           </a:p>
@@ -464,7 +464,7 @@
           <a:p>
             <a:fld id="{C4DF4945-C160-4CD5-B124-49B9BE14C0AB}" type="datetimeFigureOut">
               <a:rPr lang="ru-RU" smtClean="0"/>
-              <a:t>16.09.2020</a:t>
+              <a:t>19.09.2022</a:t>
             </a:fld>
             <a:endParaRPr lang="ru-RU"/>
           </a:p>
@@ -4680,7 +4680,7 @@
           <a:p>
             <a:fld id="{12C63722-5D9F-4E99-9720-9B6A0C7BB1C9}" type="datetimeFigureOut">
               <a:rPr lang="ru-RU" smtClean="0"/>
-              <a:t>16.09.2020</a:t>
+              <a:t>19.09.2022</a:t>
             </a:fld>
             <a:endParaRPr lang="ru-RU"/>
           </a:p>
@@ -4850,7 +4850,7 @@
           <a:p>
             <a:fld id="{12C63722-5D9F-4E99-9720-9B6A0C7BB1C9}" type="datetimeFigureOut">
               <a:rPr lang="ru-RU" smtClean="0"/>
-              <a:t>16.09.2020</a:t>
+              <a:t>19.09.2022</a:t>
             </a:fld>
             <a:endParaRPr lang="ru-RU"/>
           </a:p>
@@ -5030,7 +5030,7 @@
           <a:p>
             <a:fld id="{12C63722-5D9F-4E99-9720-9B6A0C7BB1C9}" type="datetimeFigureOut">
               <a:rPr lang="ru-RU" smtClean="0"/>
-              <a:t>16.09.2020</a:t>
+              <a:t>19.09.2022</a:t>
             </a:fld>
             <a:endParaRPr lang="ru-RU"/>
           </a:p>
@@ -5222,7 +5222,7 @@
           <a:p>
             <a:fld id="{8C218C88-2408-4CFC-B25C-07450930B282}" type="datetimeFigureOut">
               <a:rPr lang="ru-RU" smtClean="0"/>
-              <a:t>16.09.2020</a:t>
+              <a:t>19.09.2022</a:t>
             </a:fld>
             <a:endParaRPr lang="ru-RU"/>
           </a:p>
@@ -5392,7 +5392,7 @@
           <a:p>
             <a:fld id="{8C218C88-2408-4CFC-B25C-07450930B282}" type="datetimeFigureOut">
               <a:rPr lang="ru-RU" smtClean="0"/>
-              <a:t>16.09.2020</a:t>
+              <a:t>19.09.2022</a:t>
             </a:fld>
             <a:endParaRPr lang="ru-RU"/>
           </a:p>
@@ -5638,7 +5638,7 @@
           <a:p>
             <a:fld id="{8C218C88-2408-4CFC-B25C-07450930B282}" type="datetimeFigureOut">
               <a:rPr lang="ru-RU" smtClean="0"/>
-              <a:t>16.09.2020</a:t>
+              <a:t>19.09.2022</a:t>
             </a:fld>
             <a:endParaRPr lang="ru-RU"/>
           </a:p>
@@ -5870,7 +5870,7 @@
           <a:p>
             <a:fld id="{8C218C88-2408-4CFC-B25C-07450930B282}" type="datetimeFigureOut">
               <a:rPr lang="ru-RU" smtClean="0"/>
-              <a:t>16.09.2020</a:t>
+              <a:t>19.09.2022</a:t>
             </a:fld>
             <a:endParaRPr lang="ru-RU"/>
           </a:p>
@@ -6237,7 +6237,7 @@
           <a:p>
             <a:fld id="{8C218C88-2408-4CFC-B25C-07450930B282}" type="datetimeFigureOut">
               <a:rPr lang="ru-RU" smtClean="0"/>
-              <a:t>16.09.2020</a:t>
+              <a:t>19.09.2022</a:t>
             </a:fld>
             <a:endParaRPr lang="ru-RU"/>
           </a:p>
@@ -6355,7 +6355,7 @@
           <a:p>
             <a:fld id="{8C218C88-2408-4CFC-B25C-07450930B282}" type="datetimeFigureOut">
               <a:rPr lang="ru-RU" smtClean="0"/>
-              <a:t>16.09.2020</a:t>
+              <a:t>19.09.2022</a:t>
             </a:fld>
             <a:endParaRPr lang="ru-RU"/>
           </a:p>
@@ -6450,7 +6450,7 @@
           <a:p>
             <a:fld id="{8C218C88-2408-4CFC-B25C-07450930B282}" type="datetimeFigureOut">
               <a:rPr lang="ru-RU" smtClean="0"/>
-              <a:t>16.09.2020</a:t>
+              <a:t>19.09.2022</a:t>
             </a:fld>
             <a:endParaRPr lang="ru-RU"/>
           </a:p>
@@ -6727,7 +6727,7 @@
           <a:p>
             <a:fld id="{8C218C88-2408-4CFC-B25C-07450930B282}" type="datetimeFigureOut">
               <a:rPr lang="ru-RU" smtClean="0"/>
-              <a:t>16.09.2020</a:t>
+              <a:t>19.09.2022</a:t>
             </a:fld>
             <a:endParaRPr lang="ru-RU"/>
           </a:p>
@@ -6897,7 +6897,7 @@
           <a:p>
             <a:fld id="{12C63722-5D9F-4E99-9720-9B6A0C7BB1C9}" type="datetimeFigureOut">
               <a:rPr lang="ru-RU" smtClean="0"/>
-              <a:t>16.09.2020</a:t>
+              <a:t>19.09.2022</a:t>
             </a:fld>
             <a:endParaRPr lang="ru-RU"/>
           </a:p>
@@ -7150,7 +7150,7 @@
           <a:p>
             <a:fld id="{8C218C88-2408-4CFC-B25C-07450930B282}" type="datetimeFigureOut">
               <a:rPr lang="ru-RU" smtClean="0"/>
-              <a:t>16.09.2020</a:t>
+              <a:t>19.09.2022</a:t>
             </a:fld>
             <a:endParaRPr lang="ru-RU"/>
           </a:p>
@@ -7320,7 +7320,7 @@
           <a:p>
             <a:fld id="{8C218C88-2408-4CFC-B25C-07450930B282}" type="datetimeFigureOut">
               <a:rPr lang="ru-RU" smtClean="0"/>
-              <a:t>16.09.2020</a:t>
+              <a:t>19.09.2022</a:t>
             </a:fld>
             <a:endParaRPr lang="ru-RU"/>
           </a:p>
@@ -7500,7 +7500,7 @@
           <a:p>
             <a:fld id="{8C218C88-2408-4CFC-B25C-07450930B282}" type="datetimeFigureOut">
               <a:rPr lang="ru-RU" smtClean="0"/>
-              <a:t>16.09.2020</a:t>
+              <a:t>19.09.2022</a:t>
             </a:fld>
             <a:endParaRPr lang="ru-RU"/>
           </a:p>
@@ -7746,7 +7746,7 @@
           <a:p>
             <a:fld id="{12C63722-5D9F-4E99-9720-9B6A0C7BB1C9}" type="datetimeFigureOut">
               <a:rPr lang="ru-RU" smtClean="0"/>
-              <a:t>16.09.2020</a:t>
+              <a:t>19.09.2022</a:t>
             </a:fld>
             <a:endParaRPr lang="ru-RU"/>
           </a:p>
@@ -7986,7 +7986,7 @@
           <a:p>
             <a:fld id="{12C63722-5D9F-4E99-9720-9B6A0C7BB1C9}" type="datetimeFigureOut">
               <a:rPr lang="ru-RU" smtClean="0"/>
-              <a:t>16.09.2020</a:t>
+              <a:t>19.09.2022</a:t>
             </a:fld>
             <a:endParaRPr lang="ru-RU"/>
           </a:p>
@@ -8353,7 +8353,7 @@
           <a:p>
             <a:fld id="{12C63722-5D9F-4E99-9720-9B6A0C7BB1C9}" type="datetimeFigureOut">
               <a:rPr lang="ru-RU" smtClean="0"/>
-              <a:t>16.09.2020</a:t>
+              <a:t>19.09.2022</a:t>
             </a:fld>
             <a:endParaRPr lang="ru-RU"/>
           </a:p>
@@ -8471,7 +8471,7 @@
           <a:p>
             <a:fld id="{12C63722-5D9F-4E99-9720-9B6A0C7BB1C9}" type="datetimeFigureOut">
               <a:rPr lang="ru-RU" smtClean="0"/>
-              <a:t>16.09.2020</a:t>
+              <a:t>19.09.2022</a:t>
             </a:fld>
             <a:endParaRPr lang="ru-RU"/>
           </a:p>
@@ -8566,7 +8566,7 @@
           <a:p>
             <a:fld id="{12C63722-5D9F-4E99-9720-9B6A0C7BB1C9}" type="datetimeFigureOut">
               <a:rPr lang="ru-RU" smtClean="0"/>
-              <a:t>16.09.2020</a:t>
+              <a:t>19.09.2022</a:t>
             </a:fld>
             <a:endParaRPr lang="ru-RU"/>
           </a:p>
@@ -8843,7 +8843,7 @@
           <a:p>
             <a:fld id="{12C63722-5D9F-4E99-9720-9B6A0C7BB1C9}" type="datetimeFigureOut">
               <a:rPr lang="ru-RU" smtClean="0"/>
-              <a:t>16.09.2020</a:t>
+              <a:t>19.09.2022</a:t>
             </a:fld>
             <a:endParaRPr lang="ru-RU"/>
           </a:p>
@@ -9096,7 +9096,7 @@
           <a:p>
             <a:fld id="{12C63722-5D9F-4E99-9720-9B6A0C7BB1C9}" type="datetimeFigureOut">
               <a:rPr lang="ru-RU" smtClean="0"/>
-              <a:t>16.09.2020</a:t>
+              <a:t>19.09.2022</a:t>
             </a:fld>
             <a:endParaRPr lang="ru-RU"/>
           </a:p>
@@ -9309,7 +9309,7 @@
           <a:p>
             <a:fld id="{12C63722-5D9F-4E99-9720-9B6A0C7BB1C9}" type="datetimeFigureOut">
               <a:rPr lang="ru-RU" smtClean="0"/>
-              <a:t>16.09.2020</a:t>
+              <a:t>19.09.2022</a:t>
             </a:fld>
             <a:endParaRPr lang="ru-RU"/>
           </a:p>
@@ -9849,7 +9849,7 @@
           <a:p>
             <a:fld id="{8C218C88-2408-4CFC-B25C-07450930B282}" type="datetimeFigureOut">
               <a:rPr lang="ru-RU" smtClean="0"/>
-              <a:t>16.09.2020</a:t>
+              <a:t>19.09.2022</a:t>
             </a:fld>
             <a:endParaRPr lang="ru-RU"/>
           </a:p>
@@ -10317,7 +10317,7 @@
           <p:nvPr>
             <p:extLst>
               <p:ext uri="{D42A27DB-BD31-4B8C-83A1-F6EECF244321}">
-                <p14:modId xmlns:p14="http://schemas.microsoft.com/office/powerpoint/2010/main" val="4164474727"/>
+                <p14:modId xmlns:p14="http://schemas.microsoft.com/office/powerpoint/2010/main" val="1785477507"/>
               </p:ext>
             </p:extLst>
           </p:nvPr>
@@ -10347,14 +10347,6 @@
                     <a:bodyPr/>
                     <a:lstStyle/>
                     <a:p>
-                      <a:r>
-                        <a:rPr lang="en-US" dirty="0"/>
-                        <a:t>Acronis @ </a:t>
-                      </a:r>
-                      <a:r>
-                        <a:rPr lang="bg-BG" dirty="0"/>
-                        <a:t>МФТИ</a:t>
-                      </a:r>
                       <a:endParaRPr lang="ru-RU" dirty="0"/>
                     </a:p>
                   </a:txBody>
@@ -10582,7 +10574,7 @@
           <p:nvPr>
             <p:extLst>
               <p:ext uri="{D42A27DB-BD31-4B8C-83A1-F6EECF244321}">
-                <p14:modId xmlns:p14="http://schemas.microsoft.com/office/powerpoint/2010/main" val="4164474727"/>
+                <p14:modId xmlns:p14="http://schemas.microsoft.com/office/powerpoint/2010/main" val="1792395666"/>
               </p:ext>
             </p:extLst>
           </p:nvPr>
@@ -10612,14 +10604,6 @@
                     <a:bodyPr/>
                     <a:lstStyle/>
                     <a:p>
-                      <a:r>
-                        <a:rPr lang="en-US" dirty="0"/>
-                        <a:t>Acronis @ </a:t>
-                      </a:r>
-                      <a:r>
-                        <a:rPr lang="bg-BG" dirty="0"/>
-                        <a:t>МФТИ</a:t>
-                      </a:r>
                       <a:endParaRPr lang="ru-RU" dirty="0"/>
                     </a:p>
                   </a:txBody>
@@ -10878,7 +10862,7 @@
           <p:nvPr>
             <p:extLst>
               <p:ext uri="{D42A27DB-BD31-4B8C-83A1-F6EECF244321}">
-                <p14:modId xmlns:p14="http://schemas.microsoft.com/office/powerpoint/2010/main" val="4164474727"/>
+                <p14:modId xmlns:p14="http://schemas.microsoft.com/office/powerpoint/2010/main" val="1655006717"/>
               </p:ext>
             </p:extLst>
           </p:nvPr>
@@ -10908,14 +10892,6 @@
                     <a:bodyPr/>
                     <a:lstStyle/>
                     <a:p>
-                      <a:r>
-                        <a:rPr lang="en-US" dirty="0"/>
-                        <a:t>Acronis @ </a:t>
-                      </a:r>
-                      <a:r>
-                        <a:rPr lang="bg-BG" dirty="0"/>
-                        <a:t>МФТИ</a:t>
-                      </a:r>
                       <a:endParaRPr lang="ru-RU" dirty="0"/>
                     </a:p>
                   </a:txBody>
@@ -11573,7 +11549,7 @@
           <p:nvPr>
             <p:extLst>
               <p:ext uri="{D42A27DB-BD31-4B8C-83A1-F6EECF244321}">
-                <p14:modId xmlns:p14="http://schemas.microsoft.com/office/powerpoint/2010/main" val="4164474727"/>
+                <p14:modId xmlns:p14="http://schemas.microsoft.com/office/powerpoint/2010/main" val="1549066021"/>
               </p:ext>
             </p:extLst>
           </p:nvPr>
@@ -11603,14 +11579,6 @@
                     <a:bodyPr/>
                     <a:lstStyle/>
                     <a:p>
-                      <a:r>
-                        <a:rPr lang="en-US" dirty="0"/>
-                        <a:t>Acronis @ </a:t>
-                      </a:r>
-                      <a:r>
-                        <a:rPr lang="bg-BG" dirty="0"/>
-                        <a:t>МФТИ</a:t>
-                      </a:r>
                       <a:endParaRPr lang="ru-RU" dirty="0"/>
                     </a:p>
                   </a:txBody>
@@ -12106,7 +12074,7 @@
           <p:nvPr>
             <p:extLst>
               <p:ext uri="{D42A27DB-BD31-4B8C-83A1-F6EECF244321}">
-                <p14:modId xmlns:p14="http://schemas.microsoft.com/office/powerpoint/2010/main" val="4164474727"/>
+                <p14:modId xmlns:p14="http://schemas.microsoft.com/office/powerpoint/2010/main" val="3170541439"/>
               </p:ext>
             </p:extLst>
           </p:nvPr>
@@ -12136,14 +12104,6 @@
                     <a:bodyPr/>
                     <a:lstStyle/>
                     <a:p>
-                      <a:r>
-                        <a:rPr lang="en-US" dirty="0"/>
-                        <a:t>Acronis @ </a:t>
-                      </a:r>
-                      <a:r>
-                        <a:rPr lang="bg-BG" dirty="0"/>
-                        <a:t>МФТИ</a:t>
-                      </a:r>
                       <a:endParaRPr lang="ru-RU" dirty="0"/>
                     </a:p>
                   </a:txBody>
@@ -12707,7 +12667,7 @@
           <p:nvPr>
             <p:extLst>
               <p:ext uri="{D42A27DB-BD31-4B8C-83A1-F6EECF244321}">
-                <p14:modId xmlns:p14="http://schemas.microsoft.com/office/powerpoint/2010/main" val="4164474727"/>
+                <p14:modId xmlns:p14="http://schemas.microsoft.com/office/powerpoint/2010/main" val="2462984628"/>
               </p:ext>
             </p:extLst>
           </p:nvPr>
@@ -12737,14 +12697,6 @@
                     <a:bodyPr/>
                     <a:lstStyle/>
                     <a:p>
-                      <a:r>
-                        <a:rPr lang="en-US" dirty="0"/>
-                        <a:t>Acronis @ </a:t>
-                      </a:r>
-                      <a:r>
-                        <a:rPr lang="bg-BG" dirty="0"/>
-                        <a:t>МФТИ</a:t>
-                      </a:r>
                       <a:endParaRPr lang="ru-RU" dirty="0"/>
                     </a:p>
                   </a:txBody>
@@ -13005,7 +12957,7 @@
           <p:nvPr>
             <p:extLst>
               <p:ext uri="{D42A27DB-BD31-4B8C-83A1-F6EECF244321}">
-                <p14:modId xmlns:p14="http://schemas.microsoft.com/office/powerpoint/2010/main" val="4164474727"/>
+                <p14:modId xmlns:p14="http://schemas.microsoft.com/office/powerpoint/2010/main" val="3594574148"/>
               </p:ext>
             </p:extLst>
           </p:nvPr>
@@ -13035,14 +12987,6 @@
                     <a:bodyPr/>
                     <a:lstStyle/>
                     <a:p>
-                      <a:r>
-                        <a:rPr lang="en-US" dirty="0"/>
-                        <a:t>Acronis @ </a:t>
-                      </a:r>
-                      <a:r>
-                        <a:rPr lang="bg-BG" dirty="0"/>
-                        <a:t>МФТИ</a:t>
-                      </a:r>
                       <a:endParaRPr lang="ru-RU" dirty="0"/>
                     </a:p>
                   </a:txBody>
@@ -15118,7 +15062,13 @@
           <p:cNvGraphicFramePr>
             <a:graphicFrameLocks noGrp="1"/>
           </p:cNvGraphicFramePr>
-          <p:nvPr/>
+          <p:nvPr>
+            <p:extLst>
+              <p:ext uri="{D42A27DB-BD31-4B8C-83A1-F6EECF244321}">
+                <p14:modId xmlns:p14="http://schemas.microsoft.com/office/powerpoint/2010/main" val="3553518988"/>
+              </p:ext>
+            </p:extLst>
+          </p:nvPr>
         </p:nvGraphicFramePr>
         <p:xfrm>
           <a:off x="0" y="6532604"/>
@@ -15145,14 +15095,6 @@
                     <a:bodyPr/>
                     <a:lstStyle/>
                     <a:p>
-                      <a:r>
-                        <a:rPr lang="en-US" dirty="0"/>
-                        <a:t>Acronis @ </a:t>
-                      </a:r>
-                      <a:r>
-                        <a:rPr lang="bg-BG" dirty="0"/>
-                        <a:t>МФТИ</a:t>
-                      </a:r>
                       <a:endParaRPr lang="ru-RU" dirty="0"/>
                     </a:p>
                   </a:txBody>
@@ -15351,7 +15293,13 @@
           <p:cNvGraphicFramePr>
             <a:graphicFrameLocks noGrp="1"/>
           </p:cNvGraphicFramePr>
-          <p:nvPr/>
+          <p:nvPr>
+            <p:extLst>
+              <p:ext uri="{D42A27DB-BD31-4B8C-83A1-F6EECF244321}">
+                <p14:modId xmlns:p14="http://schemas.microsoft.com/office/powerpoint/2010/main" val="2945223802"/>
+              </p:ext>
+            </p:extLst>
+          </p:nvPr>
         </p:nvGraphicFramePr>
         <p:xfrm>
           <a:off x="0" y="6532604"/>
@@ -15378,14 +15326,7 @@
                     <a:bodyPr/>
                     <a:lstStyle/>
                     <a:p>
-                      <a:r>
-                        <a:rPr lang="en-US" dirty="0"/>
-                        <a:t>Acronis @ </a:t>
-                      </a:r>
-                      <a:r>
-                        <a:rPr lang="ru-RU" dirty="0"/>
-                        <a:t>МФТИ</a:t>
-                      </a:r>
+                      <a:endParaRPr lang="ru-RU" dirty="0"/>
                     </a:p>
                   </a:txBody>
                   <a:tcPr/>
@@ -15821,7 +15762,13 @@
           <p:cNvGraphicFramePr>
             <a:graphicFrameLocks noGrp="1"/>
           </p:cNvGraphicFramePr>
-          <p:nvPr/>
+          <p:nvPr>
+            <p:extLst>
+              <p:ext uri="{D42A27DB-BD31-4B8C-83A1-F6EECF244321}">
+                <p14:modId xmlns:p14="http://schemas.microsoft.com/office/powerpoint/2010/main" val="423036770"/>
+              </p:ext>
+            </p:extLst>
+          </p:nvPr>
         </p:nvGraphicFramePr>
         <p:xfrm>
           <a:off x="0" y="6532604"/>
@@ -15848,14 +15795,6 @@
                     <a:bodyPr/>
                     <a:lstStyle/>
                     <a:p>
-                      <a:r>
-                        <a:rPr lang="en-US" dirty="0"/>
-                        <a:t>Acronis @ </a:t>
-                      </a:r>
-                      <a:r>
-                        <a:rPr lang="bg-BG" dirty="0"/>
-                        <a:t>МФТИ</a:t>
-                      </a:r>
                       <a:endParaRPr lang="ru-RU" dirty="0"/>
                     </a:p>
                   </a:txBody>
@@ -16264,7 +16203,13 @@
           <p:cNvGraphicFramePr>
             <a:graphicFrameLocks noGrp="1"/>
           </p:cNvGraphicFramePr>
-          <p:nvPr/>
+          <p:nvPr>
+            <p:extLst>
+              <p:ext uri="{D42A27DB-BD31-4B8C-83A1-F6EECF244321}">
+                <p14:modId xmlns:p14="http://schemas.microsoft.com/office/powerpoint/2010/main" val="2008475802"/>
+              </p:ext>
+            </p:extLst>
+          </p:nvPr>
         </p:nvGraphicFramePr>
         <p:xfrm>
           <a:off x="0" y="6532604"/>
@@ -16291,14 +16236,6 @@
                     <a:bodyPr/>
                     <a:lstStyle/>
                     <a:p>
-                      <a:r>
-                        <a:rPr lang="en-US" dirty="0"/>
-                        <a:t>Acronis @ </a:t>
-                      </a:r>
-                      <a:r>
-                        <a:rPr lang="bg-BG" dirty="0"/>
-                        <a:t>МФТИ</a:t>
-                      </a:r>
                       <a:endParaRPr lang="ru-RU" dirty="0"/>
                     </a:p>
                   </a:txBody>
@@ -16951,7 +16888,13 @@
           <p:cNvGraphicFramePr>
             <a:graphicFrameLocks noGrp="1"/>
           </p:cNvGraphicFramePr>
-          <p:nvPr/>
+          <p:nvPr>
+            <p:extLst>
+              <p:ext uri="{D42A27DB-BD31-4B8C-83A1-F6EECF244321}">
+                <p14:modId xmlns:p14="http://schemas.microsoft.com/office/powerpoint/2010/main" val="2809729319"/>
+              </p:ext>
+            </p:extLst>
+          </p:nvPr>
         </p:nvGraphicFramePr>
         <p:xfrm>
           <a:off x="0" y="6532604"/>
@@ -16978,14 +16921,6 @@
                     <a:bodyPr/>
                     <a:lstStyle/>
                     <a:p>
-                      <a:r>
-                        <a:rPr lang="en-US" dirty="0"/>
-                        <a:t>Acronis @ </a:t>
-                      </a:r>
-                      <a:r>
-                        <a:rPr lang="bg-BG" dirty="0"/>
-                        <a:t>МФТИ</a:t>
-                      </a:r>
                       <a:endParaRPr lang="ru-RU" dirty="0"/>
                     </a:p>
                   </a:txBody>
@@ -17644,7 +17579,13 @@
           <p:cNvGraphicFramePr>
             <a:graphicFrameLocks noGrp="1"/>
           </p:cNvGraphicFramePr>
-          <p:nvPr/>
+          <p:nvPr>
+            <p:extLst>
+              <p:ext uri="{D42A27DB-BD31-4B8C-83A1-F6EECF244321}">
+                <p14:modId xmlns:p14="http://schemas.microsoft.com/office/powerpoint/2010/main" val="228915791"/>
+              </p:ext>
+            </p:extLst>
+          </p:nvPr>
         </p:nvGraphicFramePr>
         <p:xfrm>
           <a:off x="0" y="6532604"/>
@@ -17671,14 +17612,6 @@
                     <a:bodyPr/>
                     <a:lstStyle/>
                     <a:p>
-                      <a:r>
-                        <a:rPr lang="en-US" dirty="0"/>
-                        <a:t>Acronis @ </a:t>
-                      </a:r>
-                      <a:r>
-                        <a:rPr lang="bg-BG" dirty="0"/>
-                        <a:t>МФТИ</a:t>
-                      </a:r>
                       <a:endParaRPr lang="ru-RU" dirty="0"/>
                     </a:p>
                   </a:txBody>
@@ -18452,7 +18385,13 @@
           <p:cNvGraphicFramePr>
             <a:graphicFrameLocks noGrp="1"/>
           </p:cNvGraphicFramePr>
-          <p:nvPr/>
+          <p:nvPr>
+            <p:extLst>
+              <p:ext uri="{D42A27DB-BD31-4B8C-83A1-F6EECF244321}">
+                <p14:modId xmlns:p14="http://schemas.microsoft.com/office/powerpoint/2010/main" val="3217821137"/>
+              </p:ext>
+            </p:extLst>
+          </p:nvPr>
         </p:nvGraphicFramePr>
         <p:xfrm>
           <a:off x="0" y="6532604"/>
@@ -18479,14 +18418,6 @@
                     <a:bodyPr/>
                     <a:lstStyle/>
                     <a:p>
-                      <a:r>
-                        <a:rPr lang="en-US" dirty="0"/>
-                        <a:t>Acronis @ </a:t>
-                      </a:r>
-                      <a:r>
-                        <a:rPr lang="bg-BG" dirty="0"/>
-                        <a:t>МФТИ</a:t>
-                      </a:r>
                       <a:endParaRPr lang="ru-RU" dirty="0"/>
                     </a:p>
                   </a:txBody>
@@ -18751,7 +18682,13 @@
           <p:cNvGraphicFramePr>
             <a:graphicFrameLocks noGrp="1"/>
           </p:cNvGraphicFramePr>
-          <p:nvPr/>
+          <p:nvPr>
+            <p:extLst>
+              <p:ext uri="{D42A27DB-BD31-4B8C-83A1-F6EECF244321}">
+                <p14:modId xmlns:p14="http://schemas.microsoft.com/office/powerpoint/2010/main" val="3910927892"/>
+              </p:ext>
+            </p:extLst>
+          </p:nvPr>
         </p:nvGraphicFramePr>
         <p:xfrm>
           <a:off x="0" y="6532604"/>
@@ -18778,14 +18715,6 @@
                     <a:bodyPr/>
                     <a:lstStyle/>
                     <a:p>
-                      <a:r>
-                        <a:rPr lang="en-US" dirty="0"/>
-                        <a:t>Acronis @ </a:t>
-                      </a:r>
-                      <a:r>
-                        <a:rPr lang="bg-BG" dirty="0"/>
-                        <a:t>МФТИ</a:t>
-                      </a:r>
                       <a:endParaRPr lang="ru-RU" dirty="0"/>
                     </a:p>
                   </a:txBody>
@@ -19110,7 +19039,13 @@
           <p:cNvGraphicFramePr>
             <a:graphicFrameLocks noGrp="1"/>
           </p:cNvGraphicFramePr>
-          <p:nvPr/>
+          <p:nvPr>
+            <p:extLst>
+              <p:ext uri="{D42A27DB-BD31-4B8C-83A1-F6EECF244321}">
+                <p14:modId xmlns:p14="http://schemas.microsoft.com/office/powerpoint/2010/main" val="3193545690"/>
+              </p:ext>
+            </p:extLst>
+          </p:nvPr>
         </p:nvGraphicFramePr>
         <p:xfrm>
           <a:off x="0" y="6532604"/>
@@ -19137,14 +19072,6 @@
                     <a:bodyPr/>
                     <a:lstStyle/>
                     <a:p>
-                      <a:r>
-                        <a:rPr lang="en-US" dirty="0"/>
-                        <a:t>Acronis @ </a:t>
-                      </a:r>
-                      <a:r>
-                        <a:rPr lang="bg-BG" dirty="0"/>
-                        <a:t>МФТИ</a:t>
-                      </a:r>
                       <a:endParaRPr lang="ru-RU" dirty="0"/>
                     </a:p>
                   </a:txBody>
@@ -19529,7 +19456,13 @@
           <p:cNvGraphicFramePr>
             <a:graphicFrameLocks noGrp="1"/>
           </p:cNvGraphicFramePr>
-          <p:nvPr/>
+          <p:nvPr>
+            <p:extLst>
+              <p:ext uri="{D42A27DB-BD31-4B8C-83A1-F6EECF244321}">
+                <p14:modId xmlns:p14="http://schemas.microsoft.com/office/powerpoint/2010/main" val="1168877250"/>
+              </p:ext>
+            </p:extLst>
+          </p:nvPr>
         </p:nvGraphicFramePr>
         <p:xfrm>
           <a:off x="0" y="6532604"/>
@@ -19556,14 +19489,6 @@
                     <a:bodyPr/>
                     <a:lstStyle/>
                     <a:p>
-                      <a:r>
-                        <a:rPr lang="en-US" dirty="0"/>
-                        <a:t>Acronis @ </a:t>
-                      </a:r>
-                      <a:r>
-                        <a:rPr lang="bg-BG" dirty="0"/>
-                        <a:t>МФТИ</a:t>
-                      </a:r>
                       <a:endParaRPr lang="ru-RU" dirty="0"/>
                     </a:p>
                   </a:txBody>
@@ -20057,7 +19982,13 @@
           <p:cNvGraphicFramePr>
             <a:graphicFrameLocks noGrp="1"/>
           </p:cNvGraphicFramePr>
-          <p:nvPr/>
+          <p:nvPr>
+            <p:extLst>
+              <p:ext uri="{D42A27DB-BD31-4B8C-83A1-F6EECF244321}">
+                <p14:modId xmlns:p14="http://schemas.microsoft.com/office/powerpoint/2010/main" val="3863377127"/>
+              </p:ext>
+            </p:extLst>
+          </p:nvPr>
         </p:nvGraphicFramePr>
         <p:xfrm>
           <a:off x="0" y="6532604"/>
@@ -20084,14 +20015,6 @@
                     <a:bodyPr/>
                     <a:lstStyle/>
                     <a:p>
-                      <a:r>
-                        <a:rPr lang="en-US" dirty="0"/>
-                        <a:t>Acronis @ </a:t>
-                      </a:r>
-                      <a:r>
-                        <a:rPr lang="bg-BG" dirty="0"/>
-                        <a:t>МФТИ</a:t>
-                      </a:r>
                       <a:endParaRPr lang="ru-RU" dirty="0"/>
                     </a:p>
                   </a:txBody>
@@ -20610,7 +20533,13 @@
           <p:cNvGraphicFramePr>
             <a:graphicFrameLocks noGrp="1"/>
           </p:cNvGraphicFramePr>
-          <p:nvPr/>
+          <p:nvPr>
+            <p:extLst>
+              <p:ext uri="{D42A27DB-BD31-4B8C-83A1-F6EECF244321}">
+                <p14:modId xmlns:p14="http://schemas.microsoft.com/office/powerpoint/2010/main" val="4229560399"/>
+              </p:ext>
+            </p:extLst>
+          </p:nvPr>
         </p:nvGraphicFramePr>
         <p:xfrm>
           <a:off x="0" y="6532604"/>
@@ -20637,14 +20566,7 @@
                     <a:bodyPr/>
                     <a:lstStyle/>
                     <a:p>
-                      <a:r>
-                        <a:rPr lang="en-US" dirty="0"/>
-                        <a:t>Acronis @ </a:t>
-                      </a:r>
-                      <a:r>
-                        <a:rPr lang="ru-RU" dirty="0"/>
-                        <a:t>МФТИ</a:t>
-                      </a:r>
+                      <a:endParaRPr lang="ru-RU" dirty="0"/>
                     </a:p>
                   </a:txBody>
                   <a:tcPr/>
@@ -21535,7 +21457,13 @@
           <p:cNvGraphicFramePr>
             <a:graphicFrameLocks noGrp="1"/>
           </p:cNvGraphicFramePr>
-          <p:nvPr/>
+          <p:nvPr>
+            <p:extLst>
+              <p:ext uri="{D42A27DB-BD31-4B8C-83A1-F6EECF244321}">
+                <p14:modId xmlns:p14="http://schemas.microsoft.com/office/powerpoint/2010/main" val="1453825720"/>
+              </p:ext>
+            </p:extLst>
+          </p:nvPr>
         </p:nvGraphicFramePr>
         <p:xfrm>
           <a:off x="0" y="6532604"/>
@@ -21562,14 +21490,7 @@
                     <a:bodyPr/>
                     <a:lstStyle/>
                     <a:p>
-                      <a:r>
-                        <a:rPr lang="en-US" dirty="0"/>
-                        <a:t>Acronis @ </a:t>
-                      </a:r>
-                      <a:r>
-                        <a:rPr lang="ru-RU" dirty="0"/>
-                        <a:t>МФТИ</a:t>
-                      </a:r>
+                      <a:endParaRPr lang="ru-RU" dirty="0"/>
                     </a:p>
                   </a:txBody>
                   <a:tcPr/>
@@ -22074,7 +21995,13 @@
           <p:cNvGraphicFramePr>
             <a:graphicFrameLocks noGrp="1"/>
           </p:cNvGraphicFramePr>
-          <p:nvPr/>
+          <p:nvPr>
+            <p:extLst>
+              <p:ext uri="{D42A27DB-BD31-4B8C-83A1-F6EECF244321}">
+                <p14:modId xmlns:p14="http://schemas.microsoft.com/office/powerpoint/2010/main" val="2240993462"/>
+              </p:ext>
+            </p:extLst>
+          </p:nvPr>
         </p:nvGraphicFramePr>
         <p:xfrm>
           <a:off x="0" y="6532604"/>
@@ -22101,14 +22028,7 @@
                     <a:bodyPr/>
                     <a:lstStyle/>
                     <a:p>
-                      <a:r>
-                        <a:rPr lang="en-US" dirty="0"/>
-                        <a:t>Acronis @ </a:t>
-                      </a:r>
-                      <a:r>
-                        <a:rPr lang="ru-RU" dirty="0"/>
-                        <a:t>МФТИ</a:t>
-                      </a:r>
+                      <a:endParaRPr lang="ru-RU" dirty="0"/>
                     </a:p>
                   </a:txBody>
                   <a:tcPr/>
@@ -28823,7 +28743,13 @@
           <p:cNvGraphicFramePr>
             <a:graphicFrameLocks noGrp="1"/>
           </p:cNvGraphicFramePr>
-          <p:nvPr/>
+          <p:nvPr>
+            <p:extLst>
+              <p:ext uri="{D42A27DB-BD31-4B8C-83A1-F6EECF244321}">
+                <p14:modId xmlns:p14="http://schemas.microsoft.com/office/powerpoint/2010/main" val="1068235339"/>
+              </p:ext>
+            </p:extLst>
+          </p:nvPr>
         </p:nvGraphicFramePr>
         <p:xfrm>
           <a:off x="0" y="6532604"/>
@@ -28850,14 +28776,7 @@
                     <a:bodyPr/>
                     <a:lstStyle/>
                     <a:p>
-                      <a:r>
-                        <a:rPr lang="en-US" dirty="0"/>
-                        <a:t>Acronis @ </a:t>
-                      </a:r>
-                      <a:r>
-                        <a:rPr lang="ru-RU" dirty="0"/>
-                        <a:t>МФТИ</a:t>
-                      </a:r>
+                      <a:endParaRPr lang="ru-RU" dirty="0"/>
                     </a:p>
                   </a:txBody>
                   <a:tcPr/>
@@ -29787,7 +29706,13 @@
           <p:cNvGraphicFramePr>
             <a:graphicFrameLocks noGrp="1"/>
           </p:cNvGraphicFramePr>
-          <p:nvPr/>
+          <p:nvPr>
+            <p:extLst>
+              <p:ext uri="{D42A27DB-BD31-4B8C-83A1-F6EECF244321}">
+                <p14:modId xmlns:p14="http://schemas.microsoft.com/office/powerpoint/2010/main" val="483525438"/>
+              </p:ext>
+            </p:extLst>
+          </p:nvPr>
         </p:nvGraphicFramePr>
         <p:xfrm>
           <a:off x="0" y="6532604"/>
@@ -29814,14 +29739,7 @@
                     <a:bodyPr/>
                     <a:lstStyle/>
                     <a:p>
-                      <a:r>
-                        <a:rPr lang="en-US" dirty="0"/>
-                        <a:t>Acronis @ </a:t>
-                      </a:r>
-                      <a:r>
-                        <a:rPr lang="ru-RU" dirty="0"/>
-                        <a:t>МФТИ</a:t>
-                      </a:r>
+                      <a:endParaRPr lang="ru-RU" dirty="0"/>
                     </a:p>
                   </a:txBody>
                   <a:tcPr/>
@@ -31047,7 +30965,13 @@
           <p:cNvGraphicFramePr>
             <a:graphicFrameLocks noGrp="1"/>
           </p:cNvGraphicFramePr>
-          <p:nvPr/>
+          <p:nvPr>
+            <p:extLst>
+              <p:ext uri="{D42A27DB-BD31-4B8C-83A1-F6EECF244321}">
+                <p14:modId xmlns:p14="http://schemas.microsoft.com/office/powerpoint/2010/main" val="959769002"/>
+              </p:ext>
+            </p:extLst>
+          </p:nvPr>
         </p:nvGraphicFramePr>
         <p:xfrm>
           <a:off x="0" y="6532604"/>
@@ -31074,14 +30998,7 @@
                     <a:bodyPr/>
                     <a:lstStyle/>
                     <a:p>
-                      <a:r>
-                        <a:rPr lang="en-US" dirty="0"/>
-                        <a:t>Acronis @ </a:t>
-                      </a:r>
-                      <a:r>
-                        <a:rPr lang="ru-RU" dirty="0"/>
-                        <a:t>МФТИ</a:t>
-                      </a:r>
+                      <a:endParaRPr lang="ru-RU" dirty="0"/>
                     </a:p>
                   </a:txBody>
                   <a:tcPr/>
@@ -31309,7 +31226,13 @@
           <p:cNvGraphicFramePr>
             <a:graphicFrameLocks noGrp="1"/>
           </p:cNvGraphicFramePr>
-          <p:nvPr/>
+          <p:nvPr>
+            <p:extLst>
+              <p:ext uri="{D42A27DB-BD31-4B8C-83A1-F6EECF244321}">
+                <p14:modId xmlns:p14="http://schemas.microsoft.com/office/powerpoint/2010/main" val="1363705136"/>
+              </p:ext>
+            </p:extLst>
+          </p:nvPr>
         </p:nvGraphicFramePr>
         <p:xfrm>
           <a:off x="0" y="6532604"/>
@@ -31336,14 +31259,7 @@
                     <a:bodyPr/>
                     <a:lstStyle/>
                     <a:p>
-                      <a:r>
-                        <a:rPr lang="en-US" dirty="0"/>
-                        <a:t>Acronis @ </a:t>
-                      </a:r>
-                      <a:r>
-                        <a:rPr lang="ru-RU" dirty="0"/>
-                        <a:t>МФТИ</a:t>
-                      </a:r>
+                      <a:endParaRPr lang="ru-RU" dirty="0"/>
                     </a:p>
                   </a:txBody>
                   <a:tcPr/>
@@ -32473,7 +32389,13 @@
           <p:cNvGraphicFramePr>
             <a:graphicFrameLocks noGrp="1"/>
           </p:cNvGraphicFramePr>
-          <p:nvPr/>
+          <p:nvPr>
+            <p:extLst>
+              <p:ext uri="{D42A27DB-BD31-4B8C-83A1-F6EECF244321}">
+                <p14:modId xmlns:p14="http://schemas.microsoft.com/office/powerpoint/2010/main" val="3537821075"/>
+              </p:ext>
+            </p:extLst>
+          </p:nvPr>
         </p:nvGraphicFramePr>
         <p:xfrm>
           <a:off x="0" y="6532604"/>
@@ -32500,14 +32422,7 @@
                     <a:bodyPr/>
                     <a:lstStyle/>
                     <a:p>
-                      <a:r>
-                        <a:rPr lang="en-US" dirty="0"/>
-                        <a:t>Acronis @ </a:t>
-                      </a:r>
-                      <a:r>
-                        <a:rPr lang="ru-RU" dirty="0"/>
-                        <a:t>МФТИ</a:t>
-                      </a:r>
+                      <a:endParaRPr lang="ru-RU" dirty="0"/>
                     </a:p>
                   </a:txBody>
                   <a:tcPr/>
@@ -33049,7 +32964,7 @@
           <p:nvPr>
             <p:extLst>
               <p:ext uri="{D42A27DB-BD31-4B8C-83A1-F6EECF244321}">
-                <p14:modId xmlns:p14="http://schemas.microsoft.com/office/powerpoint/2010/main" val="4164474727"/>
+                <p14:modId xmlns:p14="http://schemas.microsoft.com/office/powerpoint/2010/main" val="530648428"/>
               </p:ext>
             </p:extLst>
           </p:nvPr>
@@ -33079,14 +32994,6 @@
                     <a:bodyPr/>
                     <a:lstStyle/>
                     <a:p>
-                      <a:r>
-                        <a:rPr lang="en-US" dirty="0"/>
-                        <a:t>Acronis @ </a:t>
-                      </a:r>
-                      <a:r>
-                        <a:rPr lang="bg-BG" dirty="0"/>
-                        <a:t>МФТИ</a:t>
-                      </a:r>
                       <a:endParaRPr lang="ru-RU" dirty="0"/>
                     </a:p>
                   </a:txBody>
